--- a/Documenten/Virus Spreading Simulator.pptx
+++ b/Documenten/Virus Spreading Simulator.pptx
@@ -118,6 +118,11 @@
       </a:defRPr>
     </a:lvl9pPr>
   </p:defaultTextStyle>
+  <p:extLst>
+    <p:ext uri="{EFAFB233-063F-42B5-8137-9DF3F51BA10A}">
+      <p15:sldGuideLst xmlns:p15="http://schemas.microsoft.com/office/powerpoint/2012/main"/>
+    </p:ext>
+  </p:extLst>
 </p:presentation>
 </file>
 
@@ -4369,7 +4374,7 @@
             </a:r>
             <a:r>
               <a:rPr lang="en-BE" dirty="0"/>
-              <a:t>:	</a:t>
+              <a:t>:				</a:t>
             </a:r>
             <a:r>
               <a:rPr lang="en-BE" dirty="0" err="1"/>
@@ -4405,7 +4410,7 @@
             </a:r>
             <a:r>
               <a:rPr lang="en-BE" dirty="0"/>
-              <a:t>:	</a:t>
+              <a:t>:				</a:t>
             </a:r>
             <a:r>
               <a:rPr lang="en-BE" dirty="0" err="1"/>
@@ -4440,7 +4445,7 @@
             </a:r>
             <a:r>
               <a:rPr lang="en-BE" dirty="0"/>
-              <a:t> de grid:	1 </a:t>
+              <a:t> de grid of “Next Day” knop:	1 </a:t>
             </a:r>
             <a:r>
               <a:rPr lang="en-BE" dirty="0" err="1"/>
@@ -4472,7 +4477,7 @@
             </a:r>
             <a:r>
               <a:rPr lang="en-BE" dirty="0"/>
-              <a:t>:		</a:t>
+              <a:t> of “Auto Simulate” knop:	</a:t>
             </a:r>
             <a:r>
               <a:rPr lang="en-BE" dirty="0" err="1"/>
@@ -4492,7 +4497,7 @@
             <a:pPr lvl="1"/>
             <a:r>
               <a:rPr lang="en-BE" dirty="0"/>
-              <a:t>Save:				</a:t>
+              <a:t>Save:							</a:t>
             </a:r>
             <a:r>
               <a:rPr lang="en-BE" dirty="0" err="1"/>
